--- a/material/DEM_input_and_results_for_tutorials/dem_Tutorial_2/00_custom_district_data/map.pptx
+++ b/material/DEM_input_and_results_for_tutorials/dem_Tutorial_2/00_custom_district_data/map.pptx
@@ -119,7 +119,7 @@
 <file path=ppt/revisionInfo.xml><?xml version="1.0" encoding="utf-8"?>
 <p1510:revInfo xmlns:a="http://schemas.openxmlformats.org/drawingml/2006/main" xmlns:r="http://schemas.openxmlformats.org/officeDocument/2006/relationships" xmlns:p1510="http://schemas.microsoft.com/office/powerpoint/2015/10/main">
   <p1510:revLst>
-    <p1510:client id="{B6917D5B-EAB2-4AE0-B2B4-10DA0838A198}" v="5" dt="2025-12-22T14:35:20.796"/>
+    <p1510:client id="{B6917D5B-EAB2-4AE0-B2B4-10DA0838A198}" v="6" dt="2025-12-22T14:45:48.050"/>
   </p1510:revLst>
 </p1510:revInfo>
 </file>
@@ -129,7 +129,7 @@
   <pc:docChgLst>
     <pc:chgData name="Schilt Ueli HSLU T&amp;A" userId="dcedd260-c7ed-48bb-9b56-565643dd5e59" providerId="ADAL" clId="{269D0C82-B606-4AD8-AFC8-906700D60494}"/>
     <pc:docChg chg="custSel mod addSld delSld modSld modMainMaster">
-      <pc:chgData name="Schilt Ueli HSLU T&amp;A" userId="dcedd260-c7ed-48bb-9b56-565643dd5e59" providerId="ADAL" clId="{269D0C82-B606-4AD8-AFC8-906700D60494}" dt="2025-12-22T14:36:07.290" v="65" actId="404"/>
+      <pc:chgData name="Schilt Ueli HSLU T&amp;A" userId="dcedd260-c7ed-48bb-9b56-565643dd5e59" providerId="ADAL" clId="{269D0C82-B606-4AD8-AFC8-906700D60494}" dt="2025-12-22T14:46:16.310" v="105" actId="1036"/>
       <pc:docMkLst>
         <pc:docMk/>
       </pc:docMkLst>
@@ -172,17 +172,33 @@
         </pc:picChg>
       </pc:sldChg>
       <pc:sldChg chg="addSp modSp new mod">
-        <pc:chgData name="Schilt Ueli HSLU T&amp;A" userId="dcedd260-c7ed-48bb-9b56-565643dd5e59" providerId="ADAL" clId="{269D0C82-B606-4AD8-AFC8-906700D60494}" dt="2025-12-22T14:36:07.290" v="65" actId="404"/>
+        <pc:chgData name="Schilt Ueli HSLU T&amp;A" userId="dcedd260-c7ed-48bb-9b56-565643dd5e59" providerId="ADAL" clId="{269D0C82-B606-4AD8-AFC8-906700D60494}" dt="2025-12-22T14:46:16.310" v="105" actId="1036"/>
         <pc:sldMkLst>
           <pc:docMk/>
           <pc:sldMk cId="2650555462" sldId="258"/>
         </pc:sldMkLst>
         <pc:spChg chg="add mod">
-          <ac:chgData name="Schilt Ueli HSLU T&amp;A" userId="dcedd260-c7ed-48bb-9b56-565643dd5e59" providerId="ADAL" clId="{269D0C82-B606-4AD8-AFC8-906700D60494}" dt="2025-12-22T14:36:07.290" v="65" actId="404"/>
+          <ac:chgData name="Schilt Ueli HSLU T&amp;A" userId="dcedd260-c7ed-48bb-9b56-565643dd5e59" providerId="ADAL" clId="{269D0C82-B606-4AD8-AFC8-906700D60494}" dt="2025-12-22T14:44:33.647" v="79" actId="20577"/>
           <ac:spMkLst>
             <pc:docMk/>
             <pc:sldMk cId="2650555462" sldId="258"/>
             <ac:spMk id="4" creationId="{E9007AAC-80DD-DB84-2608-62E1218413B8}"/>
+          </ac:spMkLst>
+        </pc:spChg>
+        <pc:spChg chg="add mod">
+          <ac:chgData name="Schilt Ueli HSLU T&amp;A" userId="dcedd260-c7ed-48bb-9b56-565643dd5e59" providerId="ADAL" clId="{269D0C82-B606-4AD8-AFC8-906700D60494}" dt="2025-12-22T14:45:39.873" v="87" actId="1582"/>
+          <ac:spMkLst>
+            <pc:docMk/>
+            <pc:sldMk cId="2650555462" sldId="258"/>
+            <ac:spMk id="5" creationId="{881A0639-9267-287A-3F19-F5D7E44070D0}"/>
+          </ac:spMkLst>
+        </pc:spChg>
+        <pc:spChg chg="add mod">
+          <ac:chgData name="Schilt Ueli HSLU T&amp;A" userId="dcedd260-c7ed-48bb-9b56-565643dd5e59" providerId="ADAL" clId="{269D0C82-B606-4AD8-AFC8-906700D60494}" dt="2025-12-22T14:46:16.310" v="105" actId="1036"/>
+          <ac:spMkLst>
+            <pc:docMk/>
+            <pc:sldMk cId="2650555462" sldId="258"/>
+            <ac:spMk id="6" creationId="{6795598C-F29E-7B2D-7FB8-8D618B212EBE}"/>
           </ac:spMkLst>
         </pc:spChg>
         <pc:picChg chg="add mod">
@@ -1018,8 +1034,278 @@
                 <a:latin typeface="Arial" panose="020B0604020202020204" pitchFamily="34" charset="0"/>
                 <a:cs typeface="Arial" panose="020B0604020202020204" pitchFamily="34" charset="0"/>
               </a:rPr>
-              <a:t>source: www.map.geo.admin.ch</a:t>
+              <a:t>Adapted from: www.map.geo.admin.ch</a:t>
             </a:r>
+          </a:p>
+        </p:txBody>
+      </p:sp>
+      <p:sp>
+        <p:nvSpPr>
+          <p:cNvPr id="5" name="Freihandform: Form 4">
+            <a:extLst>
+              <a:ext uri="{FF2B5EF4-FFF2-40B4-BE49-F238E27FC236}">
+                <a16:creationId xmlns:a16="http://schemas.microsoft.com/office/drawing/2014/main" id="{881A0639-9267-287A-3F19-F5D7E44070D0}"/>
+              </a:ext>
+            </a:extLst>
+          </p:cNvPr>
+          <p:cNvSpPr/>
+          <p:nvPr/>
+        </p:nvSpPr>
+        <p:spPr>
+          <a:xfrm>
+            <a:off x="1905000" y="760194"/>
+            <a:ext cx="3743325" cy="4945281"/>
+          </a:xfrm>
+          <a:custGeom>
+            <a:avLst/>
+            <a:gdLst>
+              <a:gd name="csX0" fmla="*/ 0 w 3743325"/>
+              <a:gd name="csY0" fmla="*/ 1409700 h 4933950"/>
+              <a:gd name="csX1" fmla="*/ 1685925 w 3743325"/>
+              <a:gd name="csY1" fmla="*/ 4933950 h 4933950"/>
+              <a:gd name="csX2" fmla="*/ 2009775 w 3743325"/>
+              <a:gd name="csY2" fmla="*/ 4905375 h 4933950"/>
+              <a:gd name="csX3" fmla="*/ 3743325 w 3743325"/>
+              <a:gd name="csY3" fmla="*/ 4076700 h 4933950"/>
+              <a:gd name="csX4" fmla="*/ 2428875 w 3743325"/>
+              <a:gd name="csY4" fmla="*/ 914400 h 4933950"/>
+              <a:gd name="csX5" fmla="*/ 3286125 w 3743325"/>
+              <a:gd name="csY5" fmla="*/ 514350 h 4933950"/>
+              <a:gd name="csX6" fmla="*/ 3067050 w 3743325"/>
+              <a:gd name="csY6" fmla="*/ 0 h 4933950"/>
+              <a:gd name="csX7" fmla="*/ 1038225 w 3743325"/>
+              <a:gd name="csY7" fmla="*/ 619125 h 4933950"/>
+              <a:gd name="csX8" fmla="*/ 0 w 3743325"/>
+              <a:gd name="csY8" fmla="*/ 1409700 h 4933950"/>
+            </a:gdLst>
+            <a:ahLst/>
+            <a:cxnLst>
+              <a:cxn ang="0">
+                <a:pos x="csX0" y="csY0"/>
+              </a:cxn>
+              <a:cxn ang="0">
+                <a:pos x="csX1" y="csY1"/>
+              </a:cxn>
+              <a:cxn ang="0">
+                <a:pos x="csX2" y="csY2"/>
+              </a:cxn>
+              <a:cxn ang="0">
+                <a:pos x="csX3" y="csY3"/>
+              </a:cxn>
+              <a:cxn ang="0">
+                <a:pos x="csX4" y="csY4"/>
+              </a:cxn>
+              <a:cxn ang="0">
+                <a:pos x="csX5" y="csY5"/>
+              </a:cxn>
+              <a:cxn ang="0">
+                <a:pos x="csX6" y="csY6"/>
+              </a:cxn>
+              <a:cxn ang="0">
+                <a:pos x="csX7" y="csY7"/>
+              </a:cxn>
+              <a:cxn ang="0">
+                <a:pos x="csX8" y="csY8"/>
+              </a:cxn>
+            </a:cxnLst>
+            <a:rect l="l" t="t" r="r" b="b"/>
+            <a:pathLst>
+              <a:path w="3743325" h="4933950">
+                <a:moveTo>
+                  <a:pt x="0" y="1409700"/>
+                </a:moveTo>
+                <a:lnTo>
+                  <a:pt x="1685925" y="4933950"/>
+                </a:lnTo>
+                <a:lnTo>
+                  <a:pt x="2009775" y="4905375"/>
+                </a:lnTo>
+                <a:lnTo>
+                  <a:pt x="3743325" y="4076700"/>
+                </a:lnTo>
+                <a:lnTo>
+                  <a:pt x="2428875" y="914400"/>
+                </a:lnTo>
+                <a:lnTo>
+                  <a:pt x="3286125" y="514350"/>
+                </a:lnTo>
+                <a:lnTo>
+                  <a:pt x="3067050" y="0"/>
+                </a:lnTo>
+                <a:lnTo>
+                  <a:pt x="1038225" y="619125"/>
+                </a:lnTo>
+                <a:lnTo>
+                  <a:pt x="0" y="1409700"/>
+                </a:lnTo>
+                <a:close/>
+              </a:path>
+            </a:pathLst>
+          </a:custGeom>
+          <a:noFill/>
+          <a:ln w="38100">
+            <a:solidFill>
+              <a:srgbClr val="FF0000"/>
+            </a:solidFill>
+          </a:ln>
+        </p:spPr>
+        <p:style>
+          <a:lnRef idx="2">
+            <a:schemeClr val="accent1">
+              <a:shade val="15000"/>
+            </a:schemeClr>
+          </a:lnRef>
+          <a:fillRef idx="1">
+            <a:schemeClr val="accent1"/>
+          </a:fillRef>
+          <a:effectRef idx="0">
+            <a:schemeClr val="accent1"/>
+          </a:effectRef>
+          <a:fontRef idx="minor">
+            <a:schemeClr val="lt1"/>
+          </a:fontRef>
+        </p:style>
+        <p:txBody>
+          <a:bodyPr rtlCol="0" anchor="ctr"/>
+          <a:lstStyle/>
+          <a:p>
+            <a:pPr algn="ctr"/>
+            <a:endParaRPr lang="en-US"/>
+          </a:p>
+        </p:txBody>
+      </p:sp>
+      <p:sp>
+        <p:nvSpPr>
+          <p:cNvPr id="6" name="Freihandform: Form 5">
+            <a:extLst>
+              <a:ext uri="{FF2B5EF4-FFF2-40B4-BE49-F238E27FC236}">
+                <a16:creationId xmlns:a16="http://schemas.microsoft.com/office/drawing/2014/main" id="{6795598C-F29E-7B2D-7FB8-8D618B212EBE}"/>
+              </a:ext>
+            </a:extLst>
+          </p:cNvPr>
+          <p:cNvSpPr/>
+          <p:nvPr/>
+        </p:nvSpPr>
+        <p:spPr>
+          <a:xfrm>
+            <a:off x="6867823" y="770987"/>
+            <a:ext cx="3743325" cy="4945281"/>
+          </a:xfrm>
+          <a:custGeom>
+            <a:avLst/>
+            <a:gdLst>
+              <a:gd name="csX0" fmla="*/ 0 w 3743325"/>
+              <a:gd name="csY0" fmla="*/ 1409700 h 4933950"/>
+              <a:gd name="csX1" fmla="*/ 1685925 w 3743325"/>
+              <a:gd name="csY1" fmla="*/ 4933950 h 4933950"/>
+              <a:gd name="csX2" fmla="*/ 2009775 w 3743325"/>
+              <a:gd name="csY2" fmla="*/ 4905375 h 4933950"/>
+              <a:gd name="csX3" fmla="*/ 3743325 w 3743325"/>
+              <a:gd name="csY3" fmla="*/ 4076700 h 4933950"/>
+              <a:gd name="csX4" fmla="*/ 2428875 w 3743325"/>
+              <a:gd name="csY4" fmla="*/ 914400 h 4933950"/>
+              <a:gd name="csX5" fmla="*/ 3286125 w 3743325"/>
+              <a:gd name="csY5" fmla="*/ 514350 h 4933950"/>
+              <a:gd name="csX6" fmla="*/ 3067050 w 3743325"/>
+              <a:gd name="csY6" fmla="*/ 0 h 4933950"/>
+              <a:gd name="csX7" fmla="*/ 1038225 w 3743325"/>
+              <a:gd name="csY7" fmla="*/ 619125 h 4933950"/>
+              <a:gd name="csX8" fmla="*/ 0 w 3743325"/>
+              <a:gd name="csY8" fmla="*/ 1409700 h 4933950"/>
+            </a:gdLst>
+            <a:ahLst/>
+            <a:cxnLst>
+              <a:cxn ang="0">
+                <a:pos x="csX0" y="csY0"/>
+              </a:cxn>
+              <a:cxn ang="0">
+                <a:pos x="csX1" y="csY1"/>
+              </a:cxn>
+              <a:cxn ang="0">
+                <a:pos x="csX2" y="csY2"/>
+              </a:cxn>
+              <a:cxn ang="0">
+                <a:pos x="csX3" y="csY3"/>
+              </a:cxn>
+              <a:cxn ang="0">
+                <a:pos x="csX4" y="csY4"/>
+              </a:cxn>
+              <a:cxn ang="0">
+                <a:pos x="csX5" y="csY5"/>
+              </a:cxn>
+              <a:cxn ang="0">
+                <a:pos x="csX6" y="csY6"/>
+              </a:cxn>
+              <a:cxn ang="0">
+                <a:pos x="csX7" y="csY7"/>
+              </a:cxn>
+              <a:cxn ang="0">
+                <a:pos x="csX8" y="csY8"/>
+              </a:cxn>
+            </a:cxnLst>
+            <a:rect l="l" t="t" r="r" b="b"/>
+            <a:pathLst>
+              <a:path w="3743325" h="4933950">
+                <a:moveTo>
+                  <a:pt x="0" y="1409700"/>
+                </a:moveTo>
+                <a:lnTo>
+                  <a:pt x="1685925" y="4933950"/>
+                </a:lnTo>
+                <a:lnTo>
+                  <a:pt x="2009775" y="4905375"/>
+                </a:lnTo>
+                <a:lnTo>
+                  <a:pt x="3743325" y="4076700"/>
+                </a:lnTo>
+                <a:lnTo>
+                  <a:pt x="2428875" y="914400"/>
+                </a:lnTo>
+                <a:lnTo>
+                  <a:pt x="3286125" y="514350"/>
+                </a:lnTo>
+                <a:lnTo>
+                  <a:pt x="3067050" y="0"/>
+                </a:lnTo>
+                <a:lnTo>
+                  <a:pt x="1038225" y="619125"/>
+                </a:lnTo>
+                <a:lnTo>
+                  <a:pt x="0" y="1409700"/>
+                </a:lnTo>
+                <a:close/>
+              </a:path>
+            </a:pathLst>
+          </a:custGeom>
+          <a:noFill/>
+          <a:ln w="38100">
+            <a:solidFill>
+              <a:srgbClr val="FF0000"/>
+            </a:solidFill>
+          </a:ln>
+        </p:spPr>
+        <p:style>
+          <a:lnRef idx="2">
+            <a:schemeClr val="accent1">
+              <a:shade val="15000"/>
+            </a:schemeClr>
+          </a:lnRef>
+          <a:fillRef idx="1">
+            <a:schemeClr val="accent1"/>
+          </a:fillRef>
+          <a:effectRef idx="0">
+            <a:schemeClr val="accent1"/>
+          </a:effectRef>
+          <a:fontRef idx="minor">
+            <a:schemeClr val="lt1"/>
+          </a:fontRef>
+        </p:style>
+        <p:txBody>
+          <a:bodyPr rtlCol="0" anchor="ctr"/>
+          <a:lstStyle/>
+          <a:p>
+            <a:pPr algn="ctr"/>
+            <a:endParaRPr lang="en-US"/>
           </a:p>
         </p:txBody>
       </p:sp>
